--- a/image/AUC/界面.pptx
+++ b/image/AUC/界面.pptx
@@ -289,7 +289,7 @@
           <a:p>
             <a:fld id="{530820CF-B880-4189-942D-D702A7CBA730}" type="datetimeFigureOut">
               <a:rPr lang="zh-CN" altLang="en-US" smtClean="0"/>
-              <a:t>2021/10/29</a:t>
+              <a:t>2021/12/23</a:t>
             </a:fld>
             <a:endParaRPr lang="zh-CN" altLang="en-US"/>
           </a:p>
@@ -454,7 +454,7 @@
           <a:p>
             <a:fld id="{530820CF-B880-4189-942D-D702A7CBA730}" type="datetimeFigureOut">
               <a:rPr lang="zh-CN" altLang="en-US" smtClean="0"/>
-              <a:t>2021/10/29</a:t>
+              <a:t>2021/12/23</a:t>
             </a:fld>
             <a:endParaRPr lang="zh-CN" altLang="en-US"/>
           </a:p>
@@ -629,7 +629,7 @@
           <a:p>
             <a:fld id="{530820CF-B880-4189-942D-D702A7CBA730}" type="datetimeFigureOut">
               <a:rPr lang="zh-CN" altLang="en-US" smtClean="0"/>
-              <a:t>2021/10/29</a:t>
+              <a:t>2021/12/23</a:t>
             </a:fld>
             <a:endParaRPr lang="zh-CN" altLang="en-US"/>
           </a:p>
@@ -794,7 +794,7 @@
           <a:p>
             <a:fld id="{530820CF-B880-4189-942D-D702A7CBA730}" type="datetimeFigureOut">
               <a:rPr lang="zh-CN" altLang="en-US" smtClean="0"/>
-              <a:t>2021/10/29</a:t>
+              <a:t>2021/12/23</a:t>
             </a:fld>
             <a:endParaRPr lang="zh-CN" altLang="en-US"/>
           </a:p>
@@ -1035,7 +1035,7 @@
           <a:p>
             <a:fld id="{530820CF-B880-4189-942D-D702A7CBA730}" type="datetimeFigureOut">
               <a:rPr lang="zh-CN" altLang="en-US" smtClean="0"/>
-              <a:t>2021/10/29</a:t>
+              <a:t>2021/12/23</a:t>
             </a:fld>
             <a:endParaRPr lang="zh-CN" altLang="en-US"/>
           </a:p>
@@ -1318,7 +1318,7 @@
           <a:p>
             <a:fld id="{530820CF-B880-4189-942D-D702A7CBA730}" type="datetimeFigureOut">
               <a:rPr lang="zh-CN" altLang="en-US" smtClean="0"/>
-              <a:t>2021/10/29</a:t>
+              <a:t>2021/12/23</a:t>
             </a:fld>
             <a:endParaRPr lang="zh-CN" altLang="en-US"/>
           </a:p>
@@ -1735,7 +1735,7 @@
           <a:p>
             <a:fld id="{530820CF-B880-4189-942D-D702A7CBA730}" type="datetimeFigureOut">
               <a:rPr lang="zh-CN" altLang="en-US" smtClean="0"/>
-              <a:t>2021/10/29</a:t>
+              <a:t>2021/12/23</a:t>
             </a:fld>
             <a:endParaRPr lang="zh-CN" altLang="en-US"/>
           </a:p>
@@ -1848,7 +1848,7 @@
           <a:p>
             <a:fld id="{530820CF-B880-4189-942D-D702A7CBA730}" type="datetimeFigureOut">
               <a:rPr lang="zh-CN" altLang="en-US" smtClean="0"/>
-              <a:t>2021/10/29</a:t>
+              <a:t>2021/12/23</a:t>
             </a:fld>
             <a:endParaRPr lang="zh-CN" altLang="en-US"/>
           </a:p>
@@ -1938,7 +1938,7 @@
           <a:p>
             <a:fld id="{530820CF-B880-4189-942D-D702A7CBA730}" type="datetimeFigureOut">
               <a:rPr lang="zh-CN" altLang="en-US" smtClean="0"/>
-              <a:t>2021/10/29</a:t>
+              <a:t>2021/12/23</a:t>
             </a:fld>
             <a:endParaRPr lang="zh-CN" altLang="en-US"/>
           </a:p>
@@ -2210,7 +2210,7 @@
           <a:p>
             <a:fld id="{530820CF-B880-4189-942D-D702A7CBA730}" type="datetimeFigureOut">
               <a:rPr lang="zh-CN" altLang="en-US" smtClean="0"/>
-              <a:t>2021/10/29</a:t>
+              <a:t>2021/12/23</a:t>
             </a:fld>
             <a:endParaRPr lang="zh-CN" altLang="en-US"/>
           </a:p>
@@ -2458,7 +2458,7 @@
           <a:p>
             <a:fld id="{530820CF-B880-4189-942D-D702A7CBA730}" type="datetimeFigureOut">
               <a:rPr lang="zh-CN" altLang="en-US" smtClean="0"/>
-              <a:t>2021/10/29</a:t>
+              <a:t>2021/12/23</a:t>
             </a:fld>
             <a:endParaRPr lang="zh-CN" altLang="en-US"/>
           </a:p>
@@ -2666,7 +2666,7 @@
           <a:p>
             <a:fld id="{530820CF-B880-4189-942D-D702A7CBA730}" type="datetimeFigureOut">
               <a:rPr lang="zh-CN" altLang="en-US" smtClean="0"/>
-              <a:t>2021/10/29</a:t>
+              <a:t>2021/12/23</a:t>
             </a:fld>
             <a:endParaRPr lang="zh-CN" altLang="en-US"/>
           </a:p>
@@ -3038,7 +3038,7 @@
       </p:grpSpPr>
       <p:pic>
         <p:nvPicPr>
-          <p:cNvPr id="4" name="图片 3"/>
+          <p:cNvPr id="3" name="图片 2"/>
           <p:cNvPicPr>
             <a:picLocks noChangeAspect="1"/>
           </p:cNvPicPr>
@@ -3058,8 +3058,8 @@
         </p:blipFill>
         <p:spPr>
           <a:xfrm>
-            <a:off x="2957427" y="1254836"/>
-            <a:ext cx="2622685" cy="3257717"/>
+            <a:off x="2987824" y="1196752"/>
+            <a:ext cx="2991004" cy="3886400"/>
           </a:xfrm>
           <a:prstGeom prst="rect">
             <a:avLst/>
@@ -3074,7 +3074,7 @@
         </p:nvSpPr>
         <p:spPr>
           <a:xfrm>
-            <a:off x="1835696" y="1700808"/>
+            <a:off x="1831391" y="2060848"/>
             <a:ext cx="936104" cy="288032"/>
           </a:xfrm>
           <a:prstGeom prst="borderCallout1">
@@ -3137,7 +3137,7 @@
         </p:nvSpPr>
         <p:spPr>
           <a:xfrm>
-            <a:off x="1835696" y="2636913"/>
+            <a:off x="1884239" y="2780928"/>
             <a:ext cx="936104" cy="432048"/>
           </a:xfrm>
           <a:prstGeom prst="borderCallout1">
@@ -3200,7 +3200,7 @@
         </p:nvSpPr>
         <p:spPr>
           <a:xfrm>
-            <a:off x="1835696" y="3429000"/>
+            <a:off x="1884239" y="3429000"/>
             <a:ext cx="936104" cy="432048"/>
           </a:xfrm>
           <a:prstGeom prst="borderCallout1">
@@ -3273,8 +3273,8 @@
             <a:avLst>
               <a:gd name="adj1" fmla="val 50496"/>
               <a:gd name="adj2" fmla="val 100338"/>
-              <a:gd name="adj3" fmla="val 54960"/>
-              <a:gd name="adj4" fmla="val 142988"/>
+              <a:gd name="adj3" fmla="val 46092"/>
+              <a:gd name="adj4" fmla="val 142057"/>
             </a:avLst>
           </a:prstGeom>
           <a:noFill/>
@@ -3352,6 +3352,85 @@
               <a:t>界面介绍</a:t>
             </a:r>
             <a:endParaRPr lang="zh-CN" altLang="en-US" sz="2800" b="1" dirty="0">
+              <a:solidFill>
+                <a:srgbClr val="FF0000"/>
+              </a:solidFill>
+            </a:endParaRPr>
+          </a:p>
+        </p:txBody>
+      </p:sp>
+      <p:sp>
+        <p:nvSpPr>
+          <p:cNvPr id="9" name="线形标注 1 8"/>
+          <p:cNvSpPr/>
+          <p:nvPr/>
+        </p:nvSpPr>
+        <p:spPr>
+          <a:xfrm>
+            <a:off x="1746468" y="4581128"/>
+            <a:ext cx="1105950" cy="288032"/>
+          </a:xfrm>
+          <a:prstGeom prst="borderCallout1">
+            <a:avLst>
+              <a:gd name="adj1" fmla="val 50496"/>
+              <a:gd name="adj2" fmla="val 100338"/>
+              <a:gd name="adj3" fmla="val 47866"/>
+              <a:gd name="adj4" fmla="val 138844"/>
+            </a:avLst>
+          </a:prstGeom>
+          <a:noFill/>
+          <a:ln>
+            <a:solidFill>
+              <a:srgbClr val="FF0000"/>
+            </a:solidFill>
+          </a:ln>
+        </p:spPr>
+        <p:style>
+          <a:lnRef idx="2">
+            <a:schemeClr val="accent1">
+              <a:shade val="50000"/>
+            </a:schemeClr>
+          </a:lnRef>
+          <a:fillRef idx="1">
+            <a:schemeClr val="accent1"/>
+          </a:fillRef>
+          <a:effectRef idx="0">
+            <a:schemeClr val="accent1"/>
+          </a:effectRef>
+          <a:fontRef idx="minor">
+            <a:schemeClr val="lt1"/>
+          </a:fontRef>
+        </p:style>
+        <p:txBody>
+          <a:bodyPr rtlCol="0" anchor="ctr"/>
+          <a:lstStyle/>
+          <a:p>
+            <a:pPr algn="ctr"/>
+            <a:r>
+              <a:rPr lang="zh-CN" altLang="en-US" sz="1200" dirty="0" smtClean="0">
+                <a:solidFill>
+                  <a:srgbClr val="FF0000"/>
+                </a:solidFill>
+              </a:rPr>
+              <a:t>下载</a:t>
+            </a:r>
+            <a:r>
+              <a:rPr lang="en-US" altLang="zh-CN" sz="1200" dirty="0" smtClean="0">
+                <a:solidFill>
+                  <a:srgbClr val="FF0000"/>
+                </a:solidFill>
+              </a:rPr>
+              <a:t>ROC</a:t>
+            </a:r>
+            <a:r>
+              <a:rPr lang="zh-CN" altLang="en-US" sz="1200" dirty="0" smtClean="0">
+                <a:solidFill>
+                  <a:srgbClr val="FF0000"/>
+                </a:solidFill>
+              </a:rPr>
+              <a:t>图片</a:t>
+            </a:r>
+            <a:endParaRPr lang="zh-CN" altLang="en-US" sz="1200" dirty="0">
               <a:solidFill>
                 <a:srgbClr val="FF0000"/>
               </a:solidFill>
